--- a/Assignment01(CS2271).pptx
+++ b/Assignment01(CS2271).pptx
@@ -3973,7 +3973,7 @@
               <a:schemeClr val="accent6">
                 <a:hueOff val="61929"/>
                 <a:satOff val="10820"/>
-                <a:lumOff val="-8847"/>
+                <a:lumOff val="-8846"/>
               </a:schemeClr>
             </a:solidFill>
             <a:miter lim="400000"/>
@@ -4013,7 +4013,7 @@
               <a:schemeClr val="accent6">
                 <a:hueOff val="61929"/>
                 <a:satOff val="10820"/>
-                <a:lumOff val="-8847"/>
+                <a:lumOff val="-8846"/>
               </a:schemeClr>
             </a:solidFill>
             <a:miter lim="400000"/>
@@ -4143,7 +4143,7 @@
                 <a:solidFill>
                   <a:schemeClr val="accent1">
                     <a:satOff val="36598"/>
-                    <a:lumOff val="-17226"/>
+                    <a:lumOff val="-17225"/>
                   </a:schemeClr>
                 </a:solidFill>
               </a:defRPr>
@@ -4163,7 +4163,7 @@
                 <a:solidFill>
                   <a:schemeClr val="accent1">
                     <a:satOff val="36598"/>
-                    <a:lumOff val="-17226"/>
+                    <a:lumOff val="-17225"/>
                   </a:schemeClr>
                 </a:solidFill>
               </a:defRPr>
@@ -4183,7 +4183,7 @@
                 <a:solidFill>
                   <a:schemeClr val="accent1">
                     <a:satOff val="36598"/>
-                    <a:lumOff val="-17226"/>
+                    <a:lumOff val="-17225"/>
                   </a:schemeClr>
                 </a:solidFill>
               </a:defRPr>
@@ -4203,7 +4203,7 @@
                 <a:solidFill>
                   <a:schemeClr val="accent1">
                     <a:satOff val="36598"/>
-                    <a:lumOff val="-17226"/>
+                    <a:lumOff val="-17225"/>
                   </a:schemeClr>
                 </a:solidFill>
               </a:defRPr>
@@ -4223,7 +4223,7 @@
                 <a:solidFill>
                   <a:schemeClr val="accent1">
                     <a:satOff val="36598"/>
-                    <a:lumOff val="-17226"/>
+                    <a:lumOff val="-17225"/>
                   </a:schemeClr>
                 </a:solidFill>
               </a:defRPr>
@@ -4267,7 +4267,7 @@
               <a:schemeClr val="accent6">
                 <a:hueOff val="61929"/>
                 <a:satOff val="10820"/>
-                <a:lumOff val="-8847"/>
+                <a:lumOff val="-8846"/>
               </a:schemeClr>
             </a:solidFill>
             <a:miter lim="400000"/>
@@ -4307,7 +4307,7 @@
               <a:schemeClr val="accent6">
                 <a:hueOff val="61929"/>
                 <a:satOff val="10820"/>
-                <a:lumOff val="-8847"/>
+                <a:lumOff val="-8846"/>
               </a:schemeClr>
             </a:solidFill>
             <a:miter lim="400000"/>
@@ -4474,7 +4474,7 @@
                 <a:solidFill>
                   <a:schemeClr val="accent1">
                     <a:satOff val="36598"/>
-                    <a:lumOff val="-17226"/>
+                    <a:lumOff val="-17225"/>
                   </a:schemeClr>
                 </a:solidFill>
               </a:defRPr>
@@ -4494,7 +4494,7 @@
                 <a:solidFill>
                   <a:schemeClr val="accent1">
                     <a:satOff val="36598"/>
-                    <a:lumOff val="-17226"/>
+                    <a:lumOff val="-17225"/>
                   </a:schemeClr>
                 </a:solidFill>
               </a:defRPr>
@@ -4514,7 +4514,7 @@
                 <a:solidFill>
                   <a:schemeClr val="accent1">
                     <a:satOff val="36598"/>
-                    <a:lumOff val="-17226"/>
+                    <a:lumOff val="-17225"/>
                   </a:schemeClr>
                 </a:solidFill>
               </a:defRPr>
@@ -4534,7 +4534,7 @@
                 <a:solidFill>
                   <a:schemeClr val="accent1">
                     <a:satOff val="36598"/>
-                    <a:lumOff val="-17226"/>
+                    <a:lumOff val="-17225"/>
                   </a:schemeClr>
                 </a:solidFill>
               </a:defRPr>
@@ -4554,7 +4554,7 @@
                 <a:solidFill>
                   <a:schemeClr val="accent1">
                     <a:satOff val="36598"/>
-                    <a:lumOff val="-17226"/>
+                    <a:lumOff val="-17225"/>
                   </a:schemeClr>
                 </a:solidFill>
               </a:defRPr>
@@ -4598,7 +4598,7 @@
               <a:schemeClr val="accent6">
                 <a:hueOff val="61929"/>
                 <a:satOff val="10820"/>
-                <a:lumOff val="-8847"/>
+                <a:lumOff val="-8846"/>
               </a:schemeClr>
             </a:solidFill>
             <a:miter lim="400000"/>
@@ -4638,7 +4638,7 @@
               <a:schemeClr val="accent6">
                 <a:hueOff val="61929"/>
                 <a:satOff val="10820"/>
-                <a:lumOff val="-8847"/>
+                <a:lumOff val="-8846"/>
               </a:schemeClr>
             </a:solidFill>
             <a:miter lim="400000"/>
@@ -4805,7 +4805,7 @@
                 <a:solidFill>
                   <a:schemeClr val="accent1">
                     <a:satOff val="36598"/>
-                    <a:lumOff val="-17226"/>
+                    <a:lumOff val="-17225"/>
                   </a:schemeClr>
                 </a:solidFill>
               </a:defRPr>
@@ -4825,7 +4825,7 @@
                 <a:solidFill>
                   <a:schemeClr val="accent1">
                     <a:satOff val="36598"/>
-                    <a:lumOff val="-17226"/>
+                    <a:lumOff val="-17225"/>
                   </a:schemeClr>
                 </a:solidFill>
               </a:defRPr>
@@ -4845,7 +4845,7 @@
                 <a:solidFill>
                   <a:schemeClr val="accent1">
                     <a:satOff val="36598"/>
-                    <a:lumOff val="-17226"/>
+                    <a:lumOff val="-17225"/>
                   </a:schemeClr>
                 </a:solidFill>
               </a:defRPr>
@@ -4865,7 +4865,7 @@
                 <a:solidFill>
                   <a:schemeClr val="accent1">
                     <a:satOff val="36598"/>
-                    <a:lumOff val="-17226"/>
+                    <a:lumOff val="-17225"/>
                   </a:schemeClr>
                 </a:solidFill>
               </a:defRPr>
@@ -4885,7 +4885,7 @@
                 <a:solidFill>
                   <a:schemeClr val="accent1">
                     <a:satOff val="36598"/>
-                    <a:lumOff val="-17226"/>
+                    <a:lumOff val="-17225"/>
                   </a:schemeClr>
                 </a:solidFill>
               </a:defRPr>
@@ -4961,7 +4961,7 @@
               <a:schemeClr val="accent6">
                 <a:hueOff val="61929"/>
                 <a:satOff val="10820"/>
-                <a:lumOff val="-8847"/>
+                <a:lumOff val="-8846"/>
               </a:schemeClr>
             </a:solidFill>
             <a:miter lim="400000"/>
@@ -5001,7 +5001,7 @@
               <a:schemeClr val="accent6">
                 <a:hueOff val="61929"/>
                 <a:satOff val="10820"/>
-                <a:lumOff val="-8847"/>
+                <a:lumOff val="-8846"/>
               </a:schemeClr>
             </a:solidFill>
             <a:miter lim="400000"/>
@@ -5518,7 +5518,7 @@
               <a:schemeClr val="accent6">
                 <a:hueOff val="61929"/>
                 <a:satOff val="10820"/>
-                <a:lumOff val="-8847"/>
+                <a:lumOff val="-8846"/>
               </a:schemeClr>
             </a:solidFill>
             <a:miter lim="400000"/>
@@ -5558,7 +5558,7 @@
               <a:schemeClr val="accent6">
                 <a:hueOff val="61929"/>
                 <a:satOff val="10820"/>
-                <a:lumOff val="-8847"/>
+                <a:lumOff val="-8846"/>
               </a:schemeClr>
             </a:solidFill>
             <a:miter lim="400000"/>
@@ -5761,7 +5761,7 @@
                 <a:solidFill>
                   <a:schemeClr val="accent1">
                     <a:satOff val="36598"/>
-                    <a:lumOff val="-17226"/>
+                    <a:lumOff val="-17225"/>
                   </a:schemeClr>
                 </a:solidFill>
               </a:defRPr>
@@ -5780,7 +5780,7 @@
                 <a:solidFill>
                   <a:schemeClr val="accent1">
                     <a:satOff val="36598"/>
-                    <a:lumOff val="-17226"/>
+                    <a:lumOff val="-17225"/>
                   </a:schemeClr>
                 </a:solidFill>
               </a:defRPr>
@@ -5799,7 +5799,7 @@
                 <a:solidFill>
                   <a:schemeClr val="accent1">
                     <a:satOff val="36598"/>
-                    <a:lumOff val="-17226"/>
+                    <a:lumOff val="-17225"/>
                   </a:schemeClr>
                 </a:solidFill>
               </a:defRPr>
@@ -5818,7 +5818,7 @@
                 <a:solidFill>
                   <a:schemeClr val="accent1">
                     <a:satOff val="36598"/>
-                    <a:lumOff val="-17226"/>
+                    <a:lumOff val="-17225"/>
                   </a:schemeClr>
                 </a:solidFill>
               </a:defRPr>
@@ -5837,7 +5837,7 @@
                 <a:solidFill>
                   <a:schemeClr val="accent1">
                     <a:satOff val="36598"/>
-                    <a:lumOff val="-17226"/>
+                    <a:lumOff val="-17225"/>
                   </a:schemeClr>
                 </a:solidFill>
               </a:defRPr>
@@ -5889,7 +5889,7 @@
                 <a:solidFill>
                   <a:schemeClr val="accent1">
                     <a:satOff val="36598"/>
-                    <a:lumOff val="-17226"/>
+                    <a:lumOff val="-17225"/>
                   </a:schemeClr>
                 </a:solidFill>
               </a:defRPr>
@@ -6076,7 +6076,7 @@
                 <a:solidFill>
                   <a:schemeClr val="accent1">
                     <a:satOff val="36598"/>
-                    <a:lumOff val="-17226"/>
+                    <a:lumOff val="-17225"/>
                   </a:schemeClr>
                 </a:solidFill>
               </a:defRPr>
@@ -6089,7 +6089,7 @@
                 <a:solidFill>
                   <a:schemeClr val="accent1">
                     <a:satOff val="36598"/>
-                    <a:lumOff val="-17226"/>
+                    <a:lumOff val="-17225"/>
                   </a:schemeClr>
                 </a:solidFill>
               </a:defRPr>
@@ -6102,7 +6102,7 @@
                 <a:solidFill>
                   <a:schemeClr val="accent1">
                     <a:satOff val="36598"/>
-                    <a:lumOff val="-17226"/>
+                    <a:lumOff val="-17225"/>
                   </a:schemeClr>
                 </a:solidFill>
               </a:defRPr>
@@ -6115,7 +6115,7 @@
                 <a:solidFill>
                   <a:schemeClr val="accent1">
                     <a:satOff val="36598"/>
-                    <a:lumOff val="-17226"/>
+                    <a:lumOff val="-17225"/>
                   </a:schemeClr>
                 </a:solidFill>
               </a:defRPr>
@@ -6128,7 +6128,7 @@
                 <a:solidFill>
                   <a:schemeClr val="accent1">
                     <a:satOff val="36598"/>
-                    <a:lumOff val="-17226"/>
+                    <a:lumOff val="-17225"/>
                   </a:schemeClr>
                 </a:solidFill>
               </a:defRPr>
@@ -6327,7 +6327,7 @@
                 <a:solidFill>
                   <a:schemeClr val="accent1">
                     <a:satOff val="36598"/>
-                    <a:lumOff val="-17226"/>
+                    <a:lumOff val="-17225"/>
                   </a:schemeClr>
                 </a:solidFill>
               </a:defRPr>
@@ -6340,7 +6340,7 @@
                 <a:solidFill>
                   <a:schemeClr val="accent1">
                     <a:satOff val="36598"/>
-                    <a:lumOff val="-17226"/>
+                    <a:lumOff val="-17225"/>
                   </a:schemeClr>
                 </a:solidFill>
               </a:defRPr>
@@ -6353,7 +6353,7 @@
                 <a:solidFill>
                   <a:schemeClr val="accent1">
                     <a:satOff val="36598"/>
-                    <a:lumOff val="-17226"/>
+                    <a:lumOff val="-17225"/>
                   </a:schemeClr>
                 </a:solidFill>
               </a:defRPr>
@@ -6366,7 +6366,7 @@
                 <a:solidFill>
                   <a:schemeClr val="accent1">
                     <a:satOff val="36598"/>
-                    <a:lumOff val="-17226"/>
+                    <a:lumOff val="-17225"/>
                   </a:schemeClr>
                 </a:solidFill>
               </a:defRPr>
@@ -6379,7 +6379,7 @@
                 <a:solidFill>
                   <a:schemeClr val="accent1">
                     <a:satOff val="36598"/>
-                    <a:lumOff val="-17226"/>
+                    <a:lumOff val="-17225"/>
                   </a:schemeClr>
                 </a:solidFill>
               </a:defRPr>
@@ -6640,7 +6640,7 @@
             <a:solidFill>
               <a:schemeClr val="accent1">
                 <a:satOff val="36598"/>
-                <a:lumOff val="-17226"/>
+                <a:lumOff val="-17225"/>
               </a:schemeClr>
             </a:solidFill>
             <a:miter lim="400000"/>
@@ -6679,7 +6679,7 @@
             <a:solidFill>
               <a:schemeClr val="accent1">
                 <a:satOff val="36598"/>
-                <a:lumOff val="-17226"/>
+                <a:lumOff val="-17225"/>
               </a:schemeClr>
             </a:solidFill>
             <a:miter lim="400000"/>
@@ -6730,7 +6730,7 @@
                 <a:solidFill>
                   <a:schemeClr val="accent1">
                     <a:satOff val="36598"/>
-                    <a:lumOff val="-17226"/>
+                    <a:lumOff val="-17225"/>
                   </a:schemeClr>
                 </a:solidFill>
               </a:defRPr>
@@ -6743,7 +6743,7 @@
                 <a:solidFill>
                   <a:schemeClr val="accent1">
                     <a:satOff val="36598"/>
-                    <a:lumOff val="-17226"/>
+                    <a:lumOff val="-17225"/>
                   </a:schemeClr>
                 </a:solidFill>
               </a:defRPr>
@@ -6756,7 +6756,7 @@
                 <a:solidFill>
                   <a:schemeClr val="accent1">
                     <a:satOff val="36598"/>
-                    <a:lumOff val="-17226"/>
+                    <a:lumOff val="-17225"/>
                   </a:schemeClr>
                 </a:solidFill>
               </a:defRPr>
@@ -6769,7 +6769,7 @@
                 <a:solidFill>
                   <a:schemeClr val="accent1">
                     <a:satOff val="36598"/>
-                    <a:lumOff val="-17226"/>
+                    <a:lumOff val="-17225"/>
                   </a:schemeClr>
                 </a:solidFill>
               </a:defRPr>
@@ -6782,7 +6782,7 @@
                 <a:solidFill>
                   <a:schemeClr val="accent1">
                     <a:satOff val="36598"/>
-                    <a:lumOff val="-17226"/>
+                    <a:lumOff val="-17225"/>
                   </a:schemeClr>
                 </a:solidFill>
               </a:defRPr>
@@ -10228,7 +10228,7 @@
             <a:solidFill>
               <a:schemeClr val="accent1">
                 <a:satOff val="36598"/>
-                <a:lumOff val="-17226"/>
+                <a:lumOff val="-17225"/>
               </a:schemeClr>
             </a:solidFill>
             <a:miter lim="400000"/>
@@ -10267,7 +10267,7 @@
             <a:solidFill>
               <a:schemeClr val="accent1">
                 <a:satOff val="36598"/>
-                <a:lumOff val="-17226"/>
+                <a:lumOff val="-17225"/>
               </a:schemeClr>
             </a:solidFill>
             <a:miter lim="400000"/>
@@ -10306,7 +10306,7 @@
             <a:solidFill>
               <a:schemeClr val="accent1">
                 <a:satOff val="36598"/>
-                <a:lumOff val="-17226"/>
+                <a:lumOff val="-17225"/>
               </a:schemeClr>
             </a:solidFill>
             <a:miter lim="400000"/>
@@ -10345,7 +10345,7 @@
             <a:solidFill>
               <a:schemeClr val="accent1">
                 <a:satOff val="36598"/>
-                <a:lumOff val="-17226"/>
+                <a:lumOff val="-17225"/>
               </a:schemeClr>
             </a:solidFill>
             <a:miter lim="400000"/>
@@ -18695,7 +18695,7 @@
         </p:nvCxnSpPr>
         <p:spPr>
           <a:xfrm flipH="1">
-            <a:off x="7998728" y="4779303"/>
+            <a:off x="7998728" y="4581183"/>
             <a:ext cx="3651885" cy="2146"/>
           </a:xfrm>
           <a:prstGeom prst="straightConnector1">
@@ -18726,7 +18726,7 @@
         </p:nvCxnSpPr>
         <p:spPr>
           <a:xfrm flipH="1">
-            <a:off x="7969040" y="5751768"/>
+            <a:off x="7978565" y="5448873"/>
             <a:ext cx="3691469" cy="12042"/>
           </a:xfrm>
           <a:prstGeom prst="straightConnector1">
@@ -18757,7 +18757,7 @@
         </p:nvCxnSpPr>
         <p:spPr>
           <a:xfrm flipH="1">
-            <a:off x="7998728" y="6326301"/>
+            <a:off x="7989203" y="6066586"/>
             <a:ext cx="3651885" cy="2146"/>
           </a:xfrm>
           <a:prstGeom prst="straightConnector1">
@@ -31854,7 +31854,7 @@
             <a:schemeClr val="accent6">
               <a:hueOff val="61929"/>
               <a:satOff val="10820"/>
-              <a:lumOff val="-8847"/>
+              <a:lumOff val="-8846"/>
             </a:schemeClr>
           </a:solidFill>
           <a:prstDash val="solid"/>
@@ -32162,7 +32162,7 @@
             <a:solidFill>
               <a:schemeClr val="accent1">
                 <a:satOff val="74278"/>
-                <a:lumOff val="-33240"/>
+                <a:lumOff val="-33239"/>
               </a:schemeClr>
             </a:solidFill>
             <a:effectLst/>
